--- a/ai/7.2.pptx
+++ b/ai/7.2.pptx
@@ -8427,15 +8427,7 @@
                   <a:srgbClr val="FFFFFF"/>
                 </a:solidFill>
               </a:rPr>
-              <a:t> por Juan Carlos Pérez Castellanos </a:t>
-            </a:r>
-            <a:r>
-              <a:rPr lang="en-US" sz="1800">
-                <a:solidFill>
-                  <a:srgbClr val="FFFFFF"/>
-                </a:solidFill>
-              </a:rPr>
-              <a:t>- 2020-04-11</a:t>
+              <a:t> por Juan Carlos Pérez Castellanos - 2020-04-11</a:t>
             </a:r>
             <a:endParaRPr lang="es-MX" sz="1800" dirty="0">
               <a:solidFill>
@@ -10786,7 +10778,7 @@
                 <a:cs typeface="Arial" charset="0"/>
                 <a:sym typeface="Cabin"/>
               </a:rPr>
-              <a:t>Uy!</a:t>
+              <a:t>¡Uy!</a:t>
             </a:r>
           </a:p>
         </p:txBody>
@@ -11165,6 +11157,18 @@
               <a:buFont typeface="Cabin"/>
               <a:buNone/>
             </a:pPr>
+            <a:r>
+              <a:rPr lang="es-419" sz="7600" dirty="0">
+                <a:solidFill>
+                  <a:srgbClr val="FFFF00"/>
+                </a:solidFill>
+                <a:latin typeface="Arial" charset="0"/>
+                <a:ea typeface="Arial" charset="0"/>
+                <a:cs typeface="Arial" charset="0"/>
+                <a:sym typeface="Cabin"/>
+              </a:rPr>
+              <a:t>¡</a:t>
+            </a:r>
             <a:r>
               <a:rPr lang="es-419" sz="7600" u="none" strike="noStrike" cap="none" dirty="0">
                 <a:solidFill>
@@ -12056,7 +12060,19 @@
                 <a:cs typeface="Courier New"/>
                 <a:sym typeface="Courier New"/>
               </a:rPr>
-              <a:t>fhand</a:t>
+              <a:t>man</a:t>
+            </a:r>
+            <a:r>
+              <a:rPr lang="es-419" sz="2400" b="1" dirty="0" err="1">
+                <a:solidFill>
+                  <a:srgbClr val="00FF00"/>
+                </a:solidFill>
+                <a:latin typeface="Courier New"/>
+                <a:ea typeface="Courier New"/>
+                <a:cs typeface="Courier New"/>
+                <a:sym typeface="Courier New"/>
+              </a:rPr>
+              <a:t>_a</a:t>
             </a:r>
             <a:r>
               <a:rPr lang="es-419" sz="2400" b="1" i="0" u="none" strike="noStrike" cap="none" dirty="0">
@@ -12096,22 +12112,11 @@
             </a:r>
           </a:p>
           <a:p>
-            <a:pPr marL="0" marR="0" lvl="0" indent="0" algn="l" rtl="0">
-              <a:lnSpc>
-                <a:spcPct val="100000"/>
-              </a:lnSpc>
-              <a:spcBef>
-                <a:spcPts val="0"/>
-              </a:spcBef>
-              <a:spcAft>
-                <a:spcPts val="0"/>
-              </a:spcAft>
+            <a:pPr lvl="0">
               <a:buClr>
                 <a:srgbClr val="FFFF00"/>
               </a:buClr>
               <a:buSzPct val="25000"/>
-              <a:buFont typeface="Cabin"/>
-              <a:buNone/>
             </a:pPr>
             <a:r>
               <a:rPr lang="es-419" sz="2400" b="1" i="0" u="none" strike="noStrike" cap="none" dirty="0" err="1">
@@ -12138,8 +12143,56 @@
               <a:t> </a:t>
             </a:r>
             <a:r>
+              <a:rPr lang="es-419" sz="2400" b="1" i="0" u="none" strike="noStrike" cap="none" dirty="0" err="1">
+                <a:solidFill>
+                  <a:srgbClr val="00FF00"/>
+                </a:solidFill>
+                <a:latin typeface="Courier New"/>
+                <a:ea typeface="Courier New"/>
+                <a:cs typeface="Courier New"/>
+                <a:sym typeface="Courier New"/>
+              </a:rPr>
+              <a:t>linea</a:t>
+            </a:r>
+            <a:r>
               <a:rPr lang="es-419" sz="2400" b="1" i="0" u="none" strike="noStrike" cap="none" dirty="0">
                 <a:solidFill>
+                  <a:schemeClr val="lt1"/>
+                </a:solidFill>
+                <a:latin typeface="Courier New"/>
+                <a:ea typeface="Courier New"/>
+                <a:cs typeface="Courier New"/>
+                <a:sym typeface="Courier New"/>
+              </a:rPr>
+              <a:t> </a:t>
+            </a:r>
+            <a:r>
+              <a:rPr lang="es-419" sz="2400" b="1" i="0" u="none" strike="noStrike" cap="none" dirty="0">
+                <a:solidFill>
+                  <a:srgbClr val="FFFF00"/>
+                </a:solidFill>
+                <a:latin typeface="Courier New"/>
+                <a:ea typeface="Courier New"/>
+                <a:cs typeface="Courier New"/>
+                <a:sym typeface="Courier New"/>
+              </a:rPr>
+              <a:t>in</a:t>
+            </a:r>
+            <a:r>
+              <a:rPr lang="es-419" sz="2400" b="1" i="0" u="none" strike="noStrike" cap="none" dirty="0">
+                <a:solidFill>
+                  <a:schemeClr val="lt1"/>
+                </a:solidFill>
+                <a:latin typeface="Courier New"/>
+                <a:ea typeface="Courier New"/>
+                <a:cs typeface="Courier New"/>
+                <a:sym typeface="Courier New"/>
+              </a:rPr>
+              <a:t> </a:t>
+            </a:r>
+            <a:r>
+              <a:rPr lang="es-419" sz="2400" b="1" dirty="0" err="1">
+                <a:solidFill>
                   <a:srgbClr val="00FF00"/>
                 </a:solidFill>
                 <a:latin typeface="Courier New"/>
@@ -12147,55 +12200,7 @@
                 <a:cs typeface="Courier New"/>
                 <a:sym typeface="Courier New"/>
               </a:rPr>
-              <a:t>line</a:t>
-            </a:r>
-            <a:r>
-              <a:rPr lang="es-419" sz="2400" b="1" i="0" u="none" strike="noStrike" cap="none" dirty="0">
-                <a:solidFill>
-                  <a:schemeClr val="lt1"/>
-                </a:solidFill>
-                <a:latin typeface="Courier New"/>
-                <a:ea typeface="Courier New"/>
-                <a:cs typeface="Courier New"/>
-                <a:sym typeface="Courier New"/>
-              </a:rPr>
-              <a:t> </a:t>
-            </a:r>
-            <a:r>
-              <a:rPr lang="es-419" sz="2400" b="1" i="0" u="none" strike="noStrike" cap="none" dirty="0">
-                <a:solidFill>
-                  <a:srgbClr val="FFFF00"/>
-                </a:solidFill>
-                <a:latin typeface="Courier New"/>
-                <a:ea typeface="Courier New"/>
-                <a:cs typeface="Courier New"/>
-                <a:sym typeface="Courier New"/>
-              </a:rPr>
-              <a:t>in</a:t>
-            </a:r>
-            <a:r>
-              <a:rPr lang="es-419" sz="2400" b="1" i="0" u="none" strike="noStrike" cap="none" dirty="0">
-                <a:solidFill>
-                  <a:schemeClr val="lt1"/>
-                </a:solidFill>
-                <a:latin typeface="Courier New"/>
-                <a:ea typeface="Courier New"/>
-                <a:cs typeface="Courier New"/>
-                <a:sym typeface="Courier New"/>
-              </a:rPr>
-              <a:t> </a:t>
-            </a:r>
-            <a:r>
-              <a:rPr lang="es-419" sz="2400" b="1" i="0" u="none" strike="noStrike" cap="none" dirty="0" err="1">
-                <a:solidFill>
-                  <a:srgbClr val="00FF00"/>
-                </a:solidFill>
-                <a:latin typeface="Courier New"/>
-                <a:ea typeface="Courier New"/>
-                <a:cs typeface="Courier New"/>
-                <a:sym typeface="Courier New"/>
-              </a:rPr>
-              <a:t>fhand</a:t>
+              <a:t>man_a</a:t>
             </a:r>
             <a:r>
               <a:rPr lang="es-419" sz="2400" b="1" i="0" u="none" strike="noStrike" cap="none" dirty="0">
@@ -12241,7 +12246,7 @@
               <a:t>    </a:t>
             </a:r>
             <a:r>
-              <a:rPr lang="es-419" sz="2400" b="1" i="0" u="none" strike="noStrike" cap="none" dirty="0">
+              <a:rPr lang="es-419" sz="2400" b="1" i="0" u="none" strike="noStrike" cap="none" dirty="0" err="1">
                 <a:solidFill>
                   <a:srgbClr val="00FF00"/>
                 </a:solidFill>
@@ -12250,7 +12255,7 @@
                 <a:cs typeface="Courier New"/>
                 <a:sym typeface="Courier New"/>
               </a:rPr>
-              <a:t>line</a:t>
+              <a:t>linea</a:t>
             </a:r>
             <a:r>
               <a:rPr lang="es-419" sz="2400" b="1" i="0" u="none" strike="noStrike" cap="none" dirty="0">
@@ -12365,7 +12370,7 @@
                 <a:cs typeface="Courier New"/>
                 <a:sym typeface="Courier New"/>
               </a:rPr>
-              <a:t>line</a:t>
+              <a:t>linea</a:t>
             </a:r>
             <a:r>
               <a:rPr lang="es-419" sz="2400" b="1" i="0" u="none" strike="noStrike" cap="none" dirty="0" err="1">
@@ -12483,7 +12488,7 @@
               <a:t>(</a:t>
             </a:r>
             <a:r>
-              <a:rPr lang="es-419" sz="2400" b="1" i="0" u="none" strike="noStrike" cap="none" dirty="0">
+              <a:rPr lang="es-419" sz="2400" b="1" i="0" u="none" strike="noStrike" cap="none" dirty="0" err="1">
                 <a:solidFill>
                   <a:srgbClr val="00FF00"/>
                 </a:solidFill>
@@ -12492,7 +12497,7 @@
                 <a:cs typeface="Courier New"/>
                 <a:sym typeface="Courier New"/>
               </a:rPr>
-              <a:t>line</a:t>
+              <a:t>linea</a:t>
             </a:r>
             <a:r>
               <a:rPr lang="es-419" sz="2400" b="1" i="0" u="none" strike="noStrike" cap="none" dirty="0">
@@ -14722,13 +14727,15 @@
       <p:cxnSp>
         <p:nvCxnSpPr>
           <p:cNvPr id="350" name="Shape 350"/>
-          <p:cNvCxnSpPr/>
+          <p:cNvCxnSpPr>
+            <a:cxnSpLocks/>
+          </p:cNvCxnSpPr>
           <p:nvPr/>
         </p:nvCxnSpPr>
         <p:spPr>
           <a:xfrm>
             <a:off x="11754661" y="4288938"/>
-            <a:ext cx="1575299" cy="889499"/>
+            <a:ext cx="823419" cy="1461622"/>
           </a:xfrm>
           <a:prstGeom prst="straightConnector1">
             <a:avLst/>
